--- a/rapport/images/ballfind.pptx
+++ b/rapport/images/ballfind.pptx
@@ -3504,9 +3504,14 @@
           <a:prstGeom prst="ellipse">
             <a:avLst/>
           </a:prstGeom>
-          <a:solidFill>
-            <a:srgbClr val="800000"/>
-          </a:solidFill>
+          <a:pattFill prst="wdUpDiag">
+            <a:fgClr>
+              <a:schemeClr val="tx1"/>
+            </a:fgClr>
+            <a:bgClr>
+              <a:srgbClr val="800000"/>
+            </a:bgClr>
+          </a:pattFill>
           <a:ln>
             <a:solidFill>
               <a:schemeClr val="tx1"/>
@@ -3654,7 +3659,7 @@
                   </a:schemeClr>
                 </a:solidFill>
               </a:rPr>
-              <a:t>Ball matched</a:t>
+              <a:t>Already matched</a:t>
             </a:r>
             <a:endParaRPr lang="en-US" dirty="0">
               <a:solidFill>
